--- a/ASTA Eksamen/ASTA - Exam 1 .pptx
+++ b/ASTA Eksamen/ASTA - Exam 1 .pptx
@@ -104,6 +104,11 @@
       </a:defRPr>
     </a:lvl9pPr>
   </p:defaultTextStyle>
+  <p:extLst>
+    <p:ext uri="{EFAFB233-063F-42B5-8137-9DF3F51BA10A}">
+      <p15:sldGuideLst xmlns:p15="http://schemas.microsoft.com/office/powerpoint/2012/main"/>
+    </p:ext>
+  </p:extLst>
 </p:presentation>
 </file>
 
@@ -292,7 +297,7 @@
           <a:p>
             <a:fld id="{88D38747-4367-4BD2-8D51-C97E202738E2}" type="datetime1">
               <a:rPr lang="en-US" smtClean="0"/>
-              <a:t>2/24/20</a:t>
+              <a:t>2/24/2020</a:t>
             </a:fld>
             <a:endParaRPr lang="en-US" dirty="0"/>
           </a:p>
@@ -335,7 +340,7 @@
             <a:fld id="{3A98EE3D-8CD1-4C3F-BD1C-C98C9596463C}" type="slidenum">
               <a:rPr lang="en-US" smtClean="0"/>
               <a:pPr/>
-              <a:t>‹#›</a:t>
+              <a:t>‹nr.›</a:t>
             </a:fld>
             <a:endParaRPr lang="en-US" dirty="0"/>
           </a:p>
@@ -597,7 +602,7 @@
           <a:p>
             <a:fld id="{11F1B079-7EF0-44EE-B798-BCC497C9F3B2}" type="datetime1">
               <a:rPr lang="en-US" smtClean="0"/>
-              <a:t>2/24/20</a:t>
+              <a:t>2/24/2020</a:t>
             </a:fld>
             <a:endParaRPr lang="en-US" dirty="0"/>
           </a:p>
@@ -639,7 +644,7 @@
           <a:p>
             <a:fld id="{3A98EE3D-8CD1-4C3F-BD1C-C98C9596463C}" type="slidenum">
               <a:rPr lang="en-US" smtClean="0"/>
-              <a:t>‹#›</a:t>
+              <a:t>‹nr.›</a:t>
             </a:fld>
             <a:endParaRPr lang="en-US" dirty="0"/>
           </a:p>
@@ -791,7 +796,7 @@
           <a:p>
             <a:fld id="{28FF70A8-1D13-4657-95F0-A9EA54967B8D}" type="datetime1">
               <a:rPr lang="en-US" smtClean="0"/>
-              <a:t>2/24/20</a:t>
+              <a:t>2/24/2020</a:t>
             </a:fld>
             <a:endParaRPr lang="en-US" dirty="0"/>
           </a:p>
@@ -833,7 +838,7 @@
           <a:p>
             <a:fld id="{3A98EE3D-8CD1-4C3F-BD1C-C98C9596463C}" type="slidenum">
               <a:rPr lang="en-US" smtClean="0"/>
-              <a:t>‹#›</a:t>
+              <a:t>‹nr.›</a:t>
             </a:fld>
             <a:endParaRPr lang="en-US" dirty="0"/>
           </a:p>
@@ -1054,7 +1059,7 @@
           <a:p>
             <a:fld id="{21EB90AC-71BD-4C7F-8ACA-7B3F18292E63}" type="datetime1">
               <a:rPr lang="en-US" smtClean="0"/>
-              <a:t>2/24/20</a:t>
+              <a:t>2/24/2020</a:t>
             </a:fld>
             <a:endParaRPr lang="en-US" dirty="0"/>
           </a:p>
@@ -1096,7 +1101,7 @@
           <a:p>
             <a:fld id="{3A98EE3D-8CD1-4C3F-BD1C-C98C9596463C}" type="slidenum">
               <a:rPr lang="en-US" smtClean="0"/>
-              <a:t>‹#›</a:t>
+              <a:t>‹nr.›</a:t>
             </a:fld>
             <a:endParaRPr lang="en-US" dirty="0"/>
           </a:p>
@@ -1490,7 +1495,7 @@
           <a:p>
             <a:fld id="{4E6EFC2C-8905-46F0-B443-CE905B76BA01}" type="datetime1">
               <a:rPr lang="en-US" smtClean="0"/>
-              <a:t>2/24/20</a:t>
+              <a:t>2/24/2020</a:t>
             </a:fld>
             <a:endParaRPr lang="en-US" dirty="0"/>
           </a:p>
@@ -1532,7 +1537,7 @@
           <a:p>
             <a:fld id="{3A98EE3D-8CD1-4C3F-BD1C-C98C9596463C}" type="slidenum">
               <a:rPr lang="en-US" smtClean="0"/>
-              <a:t>‹#›</a:t>
+              <a:t>‹nr.›</a:t>
             </a:fld>
             <a:endParaRPr lang="en-US" dirty="0"/>
           </a:p>
@@ -2027,7 +2032,7 @@
           <a:p>
             <a:fld id="{D9079DC3-C9B5-499E-9140-0DC28B7074E2}" type="datetime1">
               <a:rPr lang="en-US" smtClean="0"/>
-              <a:t>2/24/20</a:t>
+              <a:t>2/24/2020</a:t>
             </a:fld>
             <a:endParaRPr lang="en-US" dirty="0"/>
           </a:p>
@@ -2069,7 +2074,7 @@
           <a:p>
             <a:fld id="{3A98EE3D-8CD1-4C3F-BD1C-C98C9596463C}" type="slidenum">
               <a:rPr lang="en-US" smtClean="0"/>
-              <a:t>‹#›</a:t>
+              <a:t>‹nr.›</a:t>
             </a:fld>
             <a:endParaRPr lang="en-US" dirty="0"/>
           </a:p>
@@ -2909,7 +2914,7 @@
           <a:p>
             <a:fld id="{30BB33EA-E472-4D22-9C03-A9C14AA21CED}" type="datetime1">
               <a:rPr lang="en-US" smtClean="0"/>
-              <a:t>2/24/20</a:t>
+              <a:t>2/24/2020</a:t>
             </a:fld>
             <a:endParaRPr lang="en-US" dirty="0"/>
           </a:p>
@@ -2951,7 +2956,7 @@
           <a:p>
             <a:fld id="{3A98EE3D-8CD1-4C3F-BD1C-C98C9596463C}" type="slidenum">
               <a:rPr lang="en-US" smtClean="0"/>
-              <a:t>‹#›</a:t>
+              <a:t>‹nr.›</a:t>
             </a:fld>
             <a:endParaRPr lang="en-US" dirty="0"/>
           </a:p>
@@ -3079,7 +3084,7 @@
           <a:p>
             <a:fld id="{217E833E-1B6D-415F-AD29-75AE8C43BD0D}" type="datetime1">
               <a:rPr lang="en-US" smtClean="0"/>
-              <a:t>2/24/20</a:t>
+              <a:t>2/24/2020</a:t>
             </a:fld>
             <a:endParaRPr lang="en-US" dirty="0"/>
           </a:p>
@@ -3121,7 +3126,7 @@
           <a:p>
             <a:fld id="{3A98EE3D-8CD1-4C3F-BD1C-C98C9596463C}" type="slidenum">
               <a:rPr lang="en-US" smtClean="0"/>
-              <a:t>‹#›</a:t>
+              <a:t>‹nr.›</a:t>
             </a:fld>
             <a:endParaRPr lang="en-US" dirty="0"/>
           </a:p>
@@ -3263,7 +3268,7 @@
           <a:p>
             <a:fld id="{8452596F-08A7-4B70-989A-F2B1CF31E66B}" type="datetime1">
               <a:rPr lang="en-US" smtClean="0"/>
-              <a:t>2/24/20</a:t>
+              <a:t>2/24/2020</a:t>
             </a:fld>
             <a:endParaRPr lang="en-US" dirty="0"/>
           </a:p>
@@ -3305,7 +3310,7 @@
           <a:p>
             <a:fld id="{3A98EE3D-8CD1-4C3F-BD1C-C98C9596463C}" type="slidenum">
               <a:rPr lang="en-US" smtClean="0"/>
-              <a:t>‹#›</a:t>
+              <a:t>‹nr.›</a:t>
             </a:fld>
             <a:endParaRPr lang="en-US" dirty="0"/>
           </a:p>
@@ -3433,7 +3438,7 @@
           <a:p>
             <a:fld id="{73C55A3C-5767-4844-A0A3-83778C2E5409}" type="datetime1">
               <a:rPr lang="en-US" smtClean="0"/>
-              <a:t>2/24/20</a:t>
+              <a:t>2/24/2020</a:t>
             </a:fld>
             <a:endParaRPr lang="en-US" dirty="0"/>
           </a:p>
@@ -3475,7 +3480,7 @@
           <a:p>
             <a:fld id="{3A98EE3D-8CD1-4C3F-BD1C-C98C9596463C}" type="slidenum">
               <a:rPr lang="en-US" smtClean="0"/>
-              <a:t>‹#›</a:t>
+              <a:t>‹nr.›</a:t>
             </a:fld>
             <a:endParaRPr lang="en-US" dirty="0"/>
           </a:p>
@@ -3677,7 +3682,7 @@
           <a:p>
             <a:fld id="{CAE507A8-A5CF-4D38-AB86-7EDDA87A85D4}" type="datetime1">
               <a:rPr lang="en-US" smtClean="0"/>
-              <a:t>2/24/20</a:t>
+              <a:t>2/24/2020</a:t>
             </a:fld>
             <a:endParaRPr lang="en-US" dirty="0"/>
           </a:p>
@@ -3720,7 +3725,7 @@
             <a:fld id="{3A98EE3D-8CD1-4C3F-BD1C-C98C9596463C}" type="slidenum">
               <a:rPr lang="en-US" smtClean="0"/>
               <a:pPr/>
-              <a:t>‹#›</a:t>
+              <a:t>‹nr.›</a:t>
             </a:fld>
             <a:endParaRPr lang="en-US" dirty="0"/>
           </a:p>
@@ -3919,7 +3924,7 @@
           <a:p>
             <a:fld id="{BDFCD27C-8599-43EF-BA1D-14DDC1946E06}" type="datetime1">
               <a:rPr lang="en-US" smtClean="0"/>
-              <a:t>2/24/20</a:t>
+              <a:t>2/24/2020</a:t>
             </a:fld>
             <a:endParaRPr lang="en-US" dirty="0"/>
           </a:p>
@@ -3961,7 +3966,7 @@
           <a:p>
             <a:fld id="{3A98EE3D-8CD1-4C3F-BD1C-C98C9596463C}" type="slidenum">
               <a:rPr lang="en-US" smtClean="0"/>
-              <a:t>‹#›</a:t>
+              <a:t>‹nr.›</a:t>
             </a:fld>
             <a:endParaRPr lang="en-US" dirty="0"/>
           </a:p>
@@ -4400,7 +4405,7 @@
           <a:p>
             <a:fld id="{49343D99-809A-49C0-96E5-4250D0B498EE}" type="datetime1">
               <a:rPr lang="en-US" smtClean="0"/>
-              <a:t>2/24/20</a:t>
+              <a:t>2/24/2020</a:t>
             </a:fld>
             <a:endParaRPr lang="en-US" dirty="0"/>
           </a:p>
@@ -4442,7 +4447,7 @@
           <a:p>
             <a:fld id="{3A98EE3D-8CD1-4C3F-BD1C-C98C9596463C}" type="slidenum">
               <a:rPr lang="en-US" smtClean="0"/>
-              <a:t>‹#›</a:t>
+              <a:t>‹nr.›</a:t>
             </a:fld>
             <a:endParaRPr lang="en-US" dirty="0"/>
           </a:p>
@@ -4518,7 +4523,7 @@
           <a:p>
             <a:fld id="{A143DE9B-B678-4EFB-BB7D-A4370204A0B0}" type="datetime1">
               <a:rPr lang="en-US" smtClean="0"/>
-              <a:t>2/24/20</a:t>
+              <a:t>2/24/2020</a:t>
             </a:fld>
             <a:endParaRPr lang="en-US" dirty="0"/>
           </a:p>
@@ -4560,7 +4565,7 @@
           <a:p>
             <a:fld id="{3A98EE3D-8CD1-4C3F-BD1C-C98C9596463C}" type="slidenum">
               <a:rPr lang="en-US" smtClean="0"/>
-              <a:t>‹#›</a:t>
+              <a:t>‹nr.›</a:t>
             </a:fld>
             <a:endParaRPr lang="en-US" dirty="0"/>
           </a:p>
@@ -4613,7 +4618,7 @@
           <a:p>
             <a:fld id="{E68812DA-F765-4142-A6A3-A8ED7235E082}" type="datetime1">
               <a:rPr lang="en-US" smtClean="0"/>
-              <a:t>2/24/20</a:t>
+              <a:t>2/24/2020</a:t>
             </a:fld>
             <a:endParaRPr lang="en-US" dirty="0"/>
           </a:p>
@@ -4655,7 +4660,7 @@
           <a:p>
             <a:fld id="{3A98EE3D-8CD1-4C3F-BD1C-C98C9596463C}" type="slidenum">
               <a:rPr lang="en-US" smtClean="0"/>
-              <a:t>‹#›</a:t>
+              <a:t>‹nr.›</a:t>
             </a:fld>
             <a:endParaRPr lang="en-US" dirty="0"/>
           </a:p>
@@ -4868,7 +4873,7 @@
           <a:p>
             <a:fld id="{3E0277FD-7DE6-41D4-930D-AC99F5AFE54E}" type="datetime1">
               <a:rPr lang="en-US" smtClean="0"/>
-              <a:t>2/24/20</a:t>
+              <a:t>2/24/2020</a:t>
             </a:fld>
             <a:endParaRPr lang="en-US" dirty="0"/>
           </a:p>
@@ -4911,7 +4916,7 @@
             <a:fld id="{3A98EE3D-8CD1-4C3F-BD1C-C98C9596463C}" type="slidenum">
               <a:rPr lang="en-US" smtClean="0"/>
               <a:pPr/>
-              <a:t>‹#›</a:t>
+              <a:t>‹nr.›</a:t>
             </a:fld>
             <a:endParaRPr lang="en-US" dirty="0"/>
           </a:p>
@@ -5175,7 +5180,7 @@
           <a:p>
             <a:fld id="{9EA15526-7079-4B7B-987C-1B5FAE11A0FF}" type="datetime1">
               <a:rPr lang="en-US" smtClean="0"/>
-              <a:t>2/24/20</a:t>
+              <a:t>2/24/2020</a:t>
             </a:fld>
             <a:endParaRPr lang="en-US" dirty="0"/>
           </a:p>
@@ -5218,7 +5223,7 @@
           <a:p>
             <a:fld id="{3A98EE3D-8CD1-4C3F-BD1C-C98C9596463C}" type="slidenum">
               <a:rPr lang="en-US" smtClean="0"/>
-              <a:t>‹#›</a:t>
+              <a:t>‹nr.›</a:t>
             </a:fld>
             <a:endParaRPr lang="en-US" dirty="0"/>
           </a:p>
@@ -5410,7 +5415,7 @@
           <a:p>
             <a:fld id="{073ED0CC-082F-4160-86E5-0D6041F12778}" type="datetime1">
               <a:rPr lang="en-US" smtClean="0"/>
-              <a:t>2/24/20</a:t>
+              <a:t>2/24/2020</a:t>
             </a:fld>
             <a:endParaRPr lang="en-US" dirty="0"/>
           </a:p>
@@ -5502,7 +5507,7 @@
           <a:p>
             <a:fld id="{3A98EE3D-8CD1-4C3F-BD1C-C98C9596463C}" type="slidenum">
               <a:rPr lang="en-US" smtClean="0"/>
-              <a:t>‹#›</a:t>
+              <a:t>‹nr.›</a:t>
             </a:fld>
             <a:endParaRPr lang="en-US" dirty="0"/>
           </a:p>
@@ -6235,6 +6240,14 @@
           <a:lstStyle/>
           <a:p>
             <a:pPr algn="l"/>
+            <a:r>
+              <a:rPr lang="da-DK">
+                <a:solidFill>
+                  <a:srgbClr val="59B447"/>
+                </a:solidFill>
+              </a:rPr>
+              <a:t>christian</a:t>
+            </a:r>
             <a:endParaRPr lang="en-DK" dirty="0">
               <a:solidFill>
                 <a:srgbClr val="59B447"/>
